--- a/figure/BarGraph_matrix_without_cache.pptx
+++ b/figure/BarGraph_matrix_without_cache.pptx
@@ -425,7 +425,7 @@
                   <c:v>276.83843000000002</c:v>
                 </c:pt>
                 <c:pt idx="10">
-                  <c:v>184.25584000000001</c:v>
+                  <c:v>138.89574999999999</c:v>
                 </c:pt>
               </c:numCache>
             </c:numRef>
@@ -1321,7 +1321,7 @@
           <a:p>
             <a:fld id="{7F0095D0-A9E1-4B64-AAAF-C179389DF804}" type="datetimeFigureOut">
               <a:rPr kumimoji="1" lang="ja-JP" altLang="en-US" smtClean="0"/>
-              <a:t>2017/3/5</a:t>
+              <a:t>2017/4/1</a:t>
             </a:fld>
             <a:endParaRPr kumimoji="1" lang="ja-JP" altLang="en-US"/>
           </a:p>
@@ -1905,7 +1905,7 @@
           <a:p>
             <a:fld id="{05B1DBB0-D0CE-4499-8A6D-C73AC9430D35}" type="datetimeFigureOut">
               <a:rPr kumimoji="1" lang="ja-JP" altLang="en-US" smtClean="0"/>
-              <a:t>2017/3/5</a:t>
+              <a:t>2017/4/1</a:t>
             </a:fld>
             <a:endParaRPr kumimoji="1" lang="ja-JP" altLang="en-US"/>
           </a:p>
@@ -2107,7 +2107,7 @@
           <a:p>
             <a:fld id="{05B1DBB0-D0CE-4499-8A6D-C73AC9430D35}" type="datetimeFigureOut">
               <a:rPr kumimoji="1" lang="ja-JP" altLang="en-US" smtClean="0"/>
-              <a:t>2017/3/5</a:t>
+              <a:t>2017/4/1</a:t>
             </a:fld>
             <a:endParaRPr kumimoji="1" lang="ja-JP" altLang="en-US"/>
           </a:p>
@@ -2319,7 +2319,7 @@
           <a:p>
             <a:fld id="{05B1DBB0-D0CE-4499-8A6D-C73AC9430D35}" type="datetimeFigureOut">
               <a:rPr kumimoji="1" lang="ja-JP" altLang="en-US" smtClean="0"/>
-              <a:t>2017/3/5</a:t>
+              <a:t>2017/4/1</a:t>
             </a:fld>
             <a:endParaRPr kumimoji="1" lang="ja-JP" altLang="en-US"/>
           </a:p>
@@ -2519,7 +2519,7 @@
           <a:p>
             <a:fld id="{1D8BD707-D9CF-40AE-B4C6-C98DA3205C09}" type="datetimeFigureOut">
               <a:rPr lang="en-US"/>
-              <a:t>3/5/2017</a:t>
+              <a:t>4/1/2017</a:t>
             </a:fld>
             <a:endParaRPr lang="en-US"/>
           </a:p>
@@ -2689,7 +2689,7 @@
           <a:p>
             <a:fld id="{1D8BD707-D9CF-40AE-B4C6-C98DA3205C09}" type="datetimeFigureOut">
               <a:rPr lang="en-US"/>
-              <a:t>3/5/2017</a:t>
+              <a:t>4/1/2017</a:t>
             </a:fld>
             <a:endParaRPr lang="en-US"/>
           </a:p>
@@ -2902,7 +2902,7 @@
           <a:p>
             <a:fld id="{1D8BD707-D9CF-40AE-B4C6-C98DA3205C09}" type="datetimeFigureOut">
               <a:rPr lang="en-US"/>
-              <a:t>3/5/2017</a:t>
+              <a:t>4/1/2017</a:t>
             </a:fld>
             <a:endParaRPr lang="en-US"/>
           </a:p>
@@ -3049,7 +3049,7 @@
           <a:p>
             <a:fld id="{1D8BD707-D9CF-40AE-B4C6-C98DA3205C09}" type="datetimeFigureOut">
               <a:rPr lang="en-US"/>
-              <a:t>3/5/2017</a:t>
+              <a:t>4/1/2017</a:t>
             </a:fld>
             <a:endParaRPr lang="en-US"/>
           </a:p>
@@ -3173,7 +3173,7 @@
           <a:p>
             <a:fld id="{1D8BD707-D9CF-40AE-B4C6-C98DA3205C09}" type="datetimeFigureOut">
               <a:rPr lang="en-US"/>
-              <a:t>3/5/2017</a:t>
+              <a:t>4/1/2017</a:t>
             </a:fld>
             <a:endParaRPr lang="en-US"/>
           </a:p>
@@ -3365,7 +3365,7 @@
           <a:p>
             <a:fld id="{05B1DBB0-D0CE-4499-8A6D-C73AC9430D35}" type="datetimeFigureOut">
               <a:rPr kumimoji="1" lang="ja-JP" altLang="en-US" smtClean="0"/>
-              <a:t>2017/3/5</a:t>
+              <a:t>2017/4/1</a:t>
             </a:fld>
             <a:endParaRPr kumimoji="1" lang="ja-JP" altLang="en-US"/>
           </a:p>
@@ -3611,7 +3611,7 @@
           <a:p>
             <a:fld id="{05B1DBB0-D0CE-4499-8A6D-C73AC9430D35}" type="datetimeFigureOut">
               <a:rPr kumimoji="1" lang="ja-JP" altLang="en-US" smtClean="0"/>
-              <a:t>2017/3/5</a:t>
+              <a:t>2017/4/1</a:t>
             </a:fld>
             <a:endParaRPr kumimoji="1" lang="ja-JP" altLang="en-US"/>
           </a:p>
@@ -3907,7 +3907,7 @@
           <a:p>
             <a:fld id="{05B1DBB0-D0CE-4499-8A6D-C73AC9430D35}" type="datetimeFigureOut">
               <a:rPr kumimoji="1" lang="ja-JP" altLang="en-US" smtClean="0"/>
-              <a:t>2017/3/5</a:t>
+              <a:t>2017/4/1</a:t>
             </a:fld>
             <a:endParaRPr kumimoji="1" lang="ja-JP" altLang="en-US"/>
           </a:p>
@@ -4338,7 +4338,7 @@
           <a:p>
             <a:fld id="{05B1DBB0-D0CE-4499-8A6D-C73AC9430D35}" type="datetimeFigureOut">
               <a:rPr kumimoji="1" lang="ja-JP" altLang="en-US" smtClean="0"/>
-              <a:t>2017/3/5</a:t>
+              <a:t>2017/4/1</a:t>
             </a:fld>
             <a:endParaRPr kumimoji="1" lang="ja-JP" altLang="en-US"/>
           </a:p>
@@ -4456,7 +4456,7 @@
           <a:p>
             <a:fld id="{05B1DBB0-D0CE-4499-8A6D-C73AC9430D35}" type="datetimeFigureOut">
               <a:rPr kumimoji="1" lang="ja-JP" altLang="en-US" smtClean="0"/>
-              <a:t>2017/3/5</a:t>
+              <a:t>2017/4/1</a:t>
             </a:fld>
             <a:endParaRPr kumimoji="1" lang="ja-JP" altLang="en-US"/>
           </a:p>
@@ -4551,7 +4551,7 @@
           <a:p>
             <a:fld id="{05B1DBB0-D0CE-4499-8A6D-C73AC9430D35}" type="datetimeFigureOut">
               <a:rPr kumimoji="1" lang="ja-JP" altLang="en-US" smtClean="0"/>
-              <a:t>2017/3/5</a:t>
+              <a:t>2017/4/1</a:t>
             </a:fld>
             <a:endParaRPr kumimoji="1" lang="ja-JP" altLang="en-US"/>
           </a:p>
@@ -4860,7 +4860,7 @@
           <a:p>
             <a:fld id="{05B1DBB0-D0CE-4499-8A6D-C73AC9430D35}" type="datetimeFigureOut">
               <a:rPr kumimoji="1" lang="ja-JP" altLang="en-US" smtClean="0"/>
-              <a:t>2017/3/5</a:t>
+              <a:t>2017/4/1</a:t>
             </a:fld>
             <a:endParaRPr kumimoji="1" lang="ja-JP" altLang="en-US"/>
           </a:p>
@@ -5113,7 +5113,7 @@
           <a:p>
             <a:fld id="{05B1DBB0-D0CE-4499-8A6D-C73AC9430D35}" type="datetimeFigureOut">
               <a:rPr kumimoji="1" lang="ja-JP" altLang="en-US" smtClean="0"/>
-              <a:t>2017/3/5</a:t>
+              <a:t>2017/4/1</a:t>
             </a:fld>
             <a:endParaRPr kumimoji="1" lang="ja-JP" altLang="en-US"/>
           </a:p>
@@ -5358,7 +5358,7 @@
           <a:p>
             <a:fld id="{05B1DBB0-D0CE-4499-8A6D-C73AC9430D35}" type="datetimeFigureOut">
               <a:rPr kumimoji="1" lang="ja-JP" altLang="en-US" smtClean="0"/>
-              <a:t>2017/3/5</a:t>
+              <a:t>2017/4/1</a:t>
             </a:fld>
             <a:endParaRPr kumimoji="1" lang="ja-JP" altLang="en-US"/>
           </a:p>
@@ -5913,7 +5913,7 @@
           <a:p>
             <a:fld id="{1D8BD707-D9CF-40AE-B4C6-C98DA3205C09}" type="datetimeFigureOut">
               <a:rPr lang="en-US"/>
-              <a:t>3/5/2017</a:t>
+              <a:t>4/1/2017</a:t>
             </a:fld>
             <a:endParaRPr lang="en-US"/>
           </a:p>
@@ -6146,7 +6146,7 @@
           <p:nvPr>
             <p:extLst>
               <p:ext uri="{D42A27DB-BD31-4B8C-83A1-F6EECF244321}">
-                <p14:modId xmlns:p14="http://schemas.microsoft.com/office/powerpoint/2010/main" val="874218439"/>
+                <p14:modId xmlns:p14="http://schemas.microsoft.com/office/powerpoint/2010/main" val="2772020677"/>
               </p:ext>
             </p:extLst>
           </p:nvPr>

--- a/figure/BarGraph_matrix_without_cache.pptx
+++ b/figure/BarGraph_matrix_without_cache.pptx
@@ -11,14 +11,14 @@
   <p:sldIdLst>
     <p:sldId id="256" r:id="rId3"/>
   </p:sldIdLst>
-  <p:sldSz cx="7351713" cy="3617913"/>
+  <p:sldSz cx="6991350" cy="2898775"/>
   <p:notesSz cx="6858000" cy="9144000"/>
   <p:defaultTextStyle>
     <a:defPPr>
       <a:defRPr lang="ja-JP"/>
     </a:defPPr>
-    <a:lvl1pPr marL="0" algn="l" defTabSz="224201" rtl="0" eaLnBrk="1" latinLnBrk="0" hangingPunct="1">
-      <a:defRPr kumimoji="1" sz="441" kern="1200">
+    <a:lvl1pPr marL="0" algn="l" defTabSz="202117" rtl="0" eaLnBrk="1" latinLnBrk="0" hangingPunct="1">
+      <a:defRPr kumimoji="1" sz="398" kern="1200">
         <a:solidFill>
           <a:schemeClr val="tx1"/>
         </a:solidFill>
@@ -27,8 +27,8 @@
         <a:cs typeface="+mn-cs"/>
       </a:defRPr>
     </a:lvl1pPr>
-    <a:lvl2pPr marL="112100" algn="l" defTabSz="224201" rtl="0" eaLnBrk="1" latinLnBrk="0" hangingPunct="1">
-      <a:defRPr kumimoji="1" sz="441" kern="1200">
+    <a:lvl2pPr marL="101058" algn="l" defTabSz="202117" rtl="0" eaLnBrk="1" latinLnBrk="0" hangingPunct="1">
+      <a:defRPr kumimoji="1" sz="398" kern="1200">
         <a:solidFill>
           <a:schemeClr val="tx1"/>
         </a:solidFill>
@@ -37,8 +37,8 @@
         <a:cs typeface="+mn-cs"/>
       </a:defRPr>
     </a:lvl2pPr>
-    <a:lvl3pPr marL="224201" algn="l" defTabSz="224201" rtl="0" eaLnBrk="1" latinLnBrk="0" hangingPunct="1">
-      <a:defRPr kumimoji="1" sz="441" kern="1200">
+    <a:lvl3pPr marL="202117" algn="l" defTabSz="202117" rtl="0" eaLnBrk="1" latinLnBrk="0" hangingPunct="1">
+      <a:defRPr kumimoji="1" sz="398" kern="1200">
         <a:solidFill>
           <a:schemeClr val="tx1"/>
         </a:solidFill>
@@ -47,8 +47,8 @@
         <a:cs typeface="+mn-cs"/>
       </a:defRPr>
     </a:lvl3pPr>
-    <a:lvl4pPr marL="336301" algn="l" defTabSz="224201" rtl="0" eaLnBrk="1" latinLnBrk="0" hangingPunct="1">
-      <a:defRPr kumimoji="1" sz="441" kern="1200">
+    <a:lvl4pPr marL="303175" algn="l" defTabSz="202117" rtl="0" eaLnBrk="1" latinLnBrk="0" hangingPunct="1">
+      <a:defRPr kumimoji="1" sz="398" kern="1200">
         <a:solidFill>
           <a:schemeClr val="tx1"/>
         </a:solidFill>
@@ -57,8 +57,8 @@
         <a:cs typeface="+mn-cs"/>
       </a:defRPr>
     </a:lvl4pPr>
-    <a:lvl5pPr marL="448401" algn="l" defTabSz="224201" rtl="0" eaLnBrk="1" latinLnBrk="0" hangingPunct="1">
-      <a:defRPr kumimoji="1" sz="441" kern="1200">
+    <a:lvl5pPr marL="404234" algn="l" defTabSz="202117" rtl="0" eaLnBrk="1" latinLnBrk="0" hangingPunct="1">
+      <a:defRPr kumimoji="1" sz="398" kern="1200">
         <a:solidFill>
           <a:schemeClr val="tx1"/>
         </a:solidFill>
@@ -67,8 +67,8 @@
         <a:cs typeface="+mn-cs"/>
       </a:defRPr>
     </a:lvl5pPr>
-    <a:lvl6pPr marL="560501" algn="l" defTabSz="224201" rtl="0" eaLnBrk="1" latinLnBrk="0" hangingPunct="1">
-      <a:defRPr kumimoji="1" sz="441" kern="1200">
+    <a:lvl6pPr marL="505292" algn="l" defTabSz="202117" rtl="0" eaLnBrk="1" latinLnBrk="0" hangingPunct="1">
+      <a:defRPr kumimoji="1" sz="398" kern="1200">
         <a:solidFill>
           <a:schemeClr val="tx1"/>
         </a:solidFill>
@@ -77,8 +77,8 @@
         <a:cs typeface="+mn-cs"/>
       </a:defRPr>
     </a:lvl6pPr>
-    <a:lvl7pPr marL="672602" algn="l" defTabSz="224201" rtl="0" eaLnBrk="1" latinLnBrk="0" hangingPunct="1">
-      <a:defRPr kumimoji="1" sz="441" kern="1200">
+    <a:lvl7pPr marL="606351" algn="l" defTabSz="202117" rtl="0" eaLnBrk="1" latinLnBrk="0" hangingPunct="1">
+      <a:defRPr kumimoji="1" sz="398" kern="1200">
         <a:solidFill>
           <a:schemeClr val="tx1"/>
         </a:solidFill>
@@ -87,8 +87,8 @@
         <a:cs typeface="+mn-cs"/>
       </a:defRPr>
     </a:lvl7pPr>
-    <a:lvl8pPr marL="784702" algn="l" defTabSz="224201" rtl="0" eaLnBrk="1" latinLnBrk="0" hangingPunct="1">
-      <a:defRPr kumimoji="1" sz="441" kern="1200">
+    <a:lvl8pPr marL="707409" algn="l" defTabSz="202117" rtl="0" eaLnBrk="1" latinLnBrk="0" hangingPunct="1">
+      <a:defRPr kumimoji="1" sz="398" kern="1200">
         <a:solidFill>
           <a:schemeClr val="tx1"/>
         </a:solidFill>
@@ -97,8 +97,8 @@
         <a:cs typeface="+mn-cs"/>
       </a:defRPr>
     </a:lvl8pPr>
-    <a:lvl9pPr marL="896802" algn="l" defTabSz="224201" rtl="0" eaLnBrk="1" latinLnBrk="0" hangingPunct="1">
-      <a:defRPr kumimoji="1" sz="441" kern="1200">
+    <a:lvl9pPr marL="808467" algn="l" defTabSz="202117" rtl="0" eaLnBrk="1" latinLnBrk="0" hangingPunct="1">
+      <a:defRPr kumimoji="1" sz="398" kern="1200">
         <a:solidFill>
           <a:schemeClr val="tx1"/>
         </a:solidFill>
@@ -129,6 +129,7 @@
       <c:style val="2"/>
     </mc:Fallback>
   </mc:AlternateContent>
+  <c:clrMapOvr bg1="lt1" tx1="dk1" bg2="lt2" tx2="dk2" accent1="accent1" accent2="accent2" accent3="accent3" accent4="accent4" accent5="accent5" accent6="accent6" hlink="hlink" folHlink="folHlink"/>
   <c:chart>
     <c:title>
       <c:tx>
@@ -156,14 +157,11 @@
         <a:lstStyle/>
         <a:p>
           <a:pPr>
-            <a:defRPr sz="1400" b="0" i="0" u="none" strike="noStrike" kern="1200" spc="0" baseline="0">
+            <a:defRPr sz="1800" b="1" i="0" u="none" strike="noStrike" kern="1200" spc="0" baseline="0">
               <a:solidFill>
-                <a:schemeClr val="tx1">
-                  <a:lumMod val="65000"/>
-                  <a:lumOff val="35000"/>
-                </a:schemeClr>
+                <a:sysClr val="windowText" lastClr="000000"/>
               </a:solidFill>
-              <a:latin typeface="+mn-lt"/>
+              <a:latin typeface="+mn-ea"/>
               <a:ea typeface="+mn-ea"/>
               <a:cs typeface="+mn-cs"/>
             </a:defRPr>
@@ -210,7 +208,7 @@
             </c:spPr>
             <c:extLst>
               <c:ext xmlns:c16="http://schemas.microsoft.com/office/drawing/2014/chart" uri="{C3380CC4-5D6E-409C-BE32-E72D297353CC}">
-                <c16:uniqueId val="{00000001-0FD6-463C-B197-1F670BE0409A}"/>
+                <c16:uniqueId val="{00000001-7490-498E-AB00-29B1B207C868}"/>
               </c:ext>
             </c:extLst>
           </c:dPt>
@@ -229,7 +227,7 @@
             </c:spPr>
             <c:extLst>
               <c:ext xmlns:c16="http://schemas.microsoft.com/office/drawing/2014/chart" uri="{C3380CC4-5D6E-409C-BE32-E72D297353CC}">
-                <c16:uniqueId val="{00000003-0FD6-463C-B197-1F670BE0409A}"/>
+                <c16:uniqueId val="{00000003-7490-498E-AB00-29B1B207C868}"/>
               </c:ext>
             </c:extLst>
           </c:dPt>
@@ -248,7 +246,7 @@
             </c:spPr>
             <c:extLst>
               <c:ext xmlns:c16="http://schemas.microsoft.com/office/drawing/2014/chart" uri="{C3380CC4-5D6E-409C-BE32-E72D297353CC}">
-                <c16:uniqueId val="{00000005-0FD6-463C-B197-1F670BE0409A}"/>
+                <c16:uniqueId val="{00000005-7490-498E-AB00-29B1B207C868}"/>
               </c:ext>
             </c:extLst>
           </c:dPt>
@@ -267,7 +265,7 @@
             </c:spPr>
             <c:extLst>
               <c:ext xmlns:c16="http://schemas.microsoft.com/office/drawing/2014/chart" uri="{C3380CC4-5D6E-409C-BE32-E72D297353CC}">
-                <c16:uniqueId val="{00000007-0FD6-463C-B197-1F670BE0409A}"/>
+                <c16:uniqueId val="{00000007-7490-498E-AB00-29B1B207C868}"/>
               </c:ext>
             </c:extLst>
           </c:dPt>
@@ -286,7 +284,7 @@
             </c:spPr>
             <c:extLst>
               <c:ext xmlns:c16="http://schemas.microsoft.com/office/drawing/2014/chart" uri="{C3380CC4-5D6E-409C-BE32-E72D297353CC}">
-                <c16:uniqueId val="{00000009-0FD6-463C-B197-1F670BE0409A}"/>
+                <c16:uniqueId val="{00000009-7490-498E-AB00-29B1B207C868}"/>
               </c:ext>
             </c:extLst>
           </c:dPt>
@@ -305,7 +303,7 @@
             </c:spPr>
             <c:extLst>
               <c:ext xmlns:c16="http://schemas.microsoft.com/office/drawing/2014/chart" uri="{C3380CC4-5D6E-409C-BE32-E72D297353CC}">
-                <c16:uniqueId val="{0000000B-0FD6-463C-B197-1F670BE0409A}"/>
+                <c16:uniqueId val="{0000000B-7490-498E-AB00-29B1B207C868}"/>
               </c:ext>
             </c:extLst>
           </c:dPt>
@@ -324,7 +322,7 @@
             </c:spPr>
             <c:extLst>
               <c:ext xmlns:c16="http://schemas.microsoft.com/office/drawing/2014/chart" uri="{C3380CC4-5D6E-409C-BE32-E72D297353CC}">
-                <c16:uniqueId val="{0000000D-0FD6-463C-B197-1F670BE0409A}"/>
+                <c16:uniqueId val="{0000000D-7490-498E-AB00-29B1B207C868}"/>
               </c:ext>
             </c:extLst>
           </c:dPt>
@@ -343,47 +341,115 @@
             </c:spPr>
             <c:extLst>
               <c:ext xmlns:c16="http://schemas.microsoft.com/office/drawing/2014/chart" uri="{C3380CC4-5D6E-409C-BE32-E72D297353CC}">
-                <c16:uniqueId val="{0000000F-0FD6-463C-B197-1F670BE0409A}"/>
+                <c16:uniqueId val="{0000000F-7490-498E-AB00-29B1B207C868}"/>
               </c:ext>
             </c:extLst>
           </c:dPt>
+          <c:dLbls>
+            <c:numFmt formatCode="#,##0_);[Red]\(#,##0\)" sourceLinked="0"/>
+            <c:spPr>
+              <a:noFill/>
+              <a:ln>
+                <a:noFill/>
+              </a:ln>
+              <a:effectLst/>
+            </c:spPr>
+            <c:txPr>
+              <a:bodyPr rot="0" spcFirstLastPara="1" vertOverflow="ellipsis" vert="horz" wrap="square" lIns="38100" tIns="19050" rIns="38100" bIns="19050" anchor="ctr" anchorCtr="1">
+                <a:spAutoFit/>
+              </a:bodyPr>
+              <a:lstStyle/>
+              <a:p>
+                <a:pPr>
+                  <a:defRPr sz="1400" b="0" i="0" u="none" strike="noStrike" kern="1200" baseline="0">
+                    <a:solidFill>
+                      <a:schemeClr val="tx1"/>
+                    </a:solidFill>
+                    <a:latin typeface="+mn-lt"/>
+                    <a:ea typeface="+mn-ea"/>
+                    <a:cs typeface="+mn-cs"/>
+                  </a:defRPr>
+                </a:pPr>
+                <a:endParaRPr lang="ja-JP"/>
+              </a:p>
+            </c:txPr>
+            <c:dLblPos val="outEnd"/>
+            <c:showLegendKey val="0"/>
+            <c:showVal val="1"/>
+            <c:showCatName val="0"/>
+            <c:showSerName val="0"/>
+            <c:showPercent val="0"/>
+            <c:showBubbleSize val="0"/>
+            <c:showLeaderLines val="0"/>
+            <c:extLst>
+              <c:ext xmlns:c15="http://schemas.microsoft.com/office/drawing/2012/chart" uri="{CE6537A1-D6FC-4f65-9D91-7224C49458BB}">
+                <c15:layout/>
+                <c15:showLeaderLines val="1"/>
+                <c15:leaderLines>
+                  <c:spPr>
+                    <a:ln w="9525" cap="flat" cmpd="sng" algn="ctr">
+                      <a:solidFill>
+                        <a:schemeClr val="tx1">
+                          <a:lumMod val="35000"/>
+                          <a:lumOff val="65000"/>
+                        </a:schemeClr>
+                      </a:solidFill>
+                      <a:round/>
+                    </a:ln>
+                    <a:effectLst/>
+                  </c:spPr>
+                </c15:leaderLines>
+              </c:ext>
+            </c:extLst>
+          </c:dLbls>
           <c:cat>
             <c:strRef>
               <c:f>'matrix 2'!$G$5:$G$15</c:f>
               <c:strCache>
                 <c:ptCount val="11"/>
                 <c:pt idx="0">
-                  <c:v>IO DDR 1thread</c:v>
+                  <c:v>IO DDR 
+1thread</c:v>
                 </c:pt>
                 <c:pt idx="1">
-                  <c:v>IO SMEM 1thread</c:v>
+                  <c:v>IO SMEM
+ 1thread</c:v>
                 </c:pt>
                 <c:pt idx="2">
-                  <c:v>SMEM  1thread</c:v>
+                  <c:v>SMEM
+  1thread</c:v>
                 </c:pt>
                 <c:pt idx="3">
-                  <c:v>IO DDR 2thread</c:v>
+                  <c:v>IO DDR
+ 2thread</c:v>
                 </c:pt>
                 <c:pt idx="4">
-                  <c:v>IO SMEM 2thread</c:v>
+                  <c:v>IO SMEM
+ 2thread</c:v>
                 </c:pt>
                 <c:pt idx="5">
-                  <c:v>SMEM 2thread</c:v>
+                  <c:v>SMEM
+ 2thread</c:v>
                 </c:pt>
                 <c:pt idx="6">
-                  <c:v>IO DDR 4thread</c:v>
+                  <c:v>IO DDR
+ 4thread</c:v>
                 </c:pt>
                 <c:pt idx="7">
-                  <c:v>IO SMEM 4thread</c:v>
+                  <c:v>IO SMEM 
+4thread</c:v>
                 </c:pt>
                 <c:pt idx="8">
-                  <c:v>SMEM 4thread</c:v>
+                  <c:v>SMEM 
+4thread</c:v>
                 </c:pt>
                 <c:pt idx="9">
-                  <c:v>SMEM 8thread</c:v>
+                  <c:v>SMEM 
+8thread</c:v>
                 </c:pt>
                 <c:pt idx="10">
-                  <c:v>SMEM 16thread</c:v>
+                  <c:v>SMEM 
+16thread</c:v>
                 </c:pt>
               </c:strCache>
             </c:strRef>
@@ -432,13 +498,14 @@
           </c:val>
           <c:extLst>
             <c:ext xmlns:c16="http://schemas.microsoft.com/office/drawing/2014/chart" uri="{C3380CC4-5D6E-409C-BE32-E72D297353CC}">
-              <c16:uniqueId val="{00000010-0FD6-463C-B197-1F670BE0409A}"/>
+              <c16:uniqueId val="{00000010-7490-498E-AB00-29B1B207C868}"/>
             </c:ext>
           </c:extLst>
         </c:ser>
         <c:dLbls>
+          <c:dLblPos val="outEnd"/>
           <c:showLegendKey val="0"/>
-          <c:showVal val="0"/>
+          <c:showVal val="1"/>
           <c:showCatName val="0"/>
           <c:showSerName val="0"/>
           <c:showPercent val="0"/>
@@ -473,16 +540,13 @@
           <a:effectLst/>
         </c:spPr>
         <c:txPr>
-          <a:bodyPr rot="-60000000" spcFirstLastPara="1" vertOverflow="ellipsis" vert="horz" wrap="square" anchor="ctr" anchorCtr="1"/>
+          <a:bodyPr rot="5400000" spcFirstLastPara="1" vertOverflow="ellipsis" wrap="square" anchor="ctr" anchorCtr="1"/>
           <a:lstStyle/>
           <a:p>
             <a:pPr>
-              <a:defRPr sz="900" b="0" i="0" u="none" strike="noStrike" kern="1200" baseline="0">
+              <a:defRPr sz="1400" b="0" i="0" u="none" strike="noStrike" kern="1200" baseline="0">
                 <a:solidFill>
-                  <a:schemeClr val="tx1">
-                    <a:lumMod val="65000"/>
-                    <a:lumOff val="35000"/>
-                  </a:schemeClr>
+                  <a:sysClr val="windowText" lastClr="000000"/>
                 </a:solidFill>
                 <a:latin typeface="+mn-lt"/>
                 <a:ea typeface="+mn-ea"/>
@@ -527,37 +591,64 @@
               <a:lstStyle/>
               <a:p>
                 <a:pPr>
-                  <a:defRPr sz="1000" b="0" i="0" u="none" strike="noStrike" kern="1200" baseline="0">
+                  <a:defRPr sz="1600" b="1" i="0" u="none" strike="noStrike" kern="1200" baseline="0">
                     <a:solidFill>
-                      <a:schemeClr val="tx1">
-                        <a:lumMod val="65000"/>
-                        <a:lumOff val="35000"/>
-                      </a:schemeClr>
+                      <a:sysClr val="windowText" lastClr="000000"/>
                     </a:solidFill>
-                    <a:latin typeface="+mn-lt"/>
+                    <a:latin typeface="+mn-ea"/>
                     <a:ea typeface="+mn-ea"/>
                     <a:cs typeface="+mn-cs"/>
                   </a:defRPr>
                 </a:pPr>
                 <a:r>
-                  <a:rPr lang="en-US" altLang="ja-JP"/>
+                  <a:rPr lang="en-US" altLang="ja-JP" sz="1600" b="1">
+                    <a:solidFill>
+                      <a:sysClr val="windowText" lastClr="000000"/>
+                    </a:solidFill>
+                    <a:latin typeface="+mn-ea"/>
+                    <a:ea typeface="+mn-ea"/>
+                  </a:rPr>
                   <a:t> </a:t>
                 </a:r>
                 <a:r>
-                  <a:rPr lang="en-US" altLang="ja-JP" sz="1000" b="0" i="0" u="none" strike="noStrike" baseline="0">
+                  <a:rPr lang="en-US" altLang="ja-JP" sz="1600" b="1" i="0" u="none" strike="noStrike" baseline="0">
+                    <a:solidFill>
+                      <a:sysClr val="windowText" lastClr="000000"/>
+                    </a:solidFill>
                     <a:effectLst/>
+                    <a:latin typeface="+mn-ea"/>
+                    <a:ea typeface="+mn-ea"/>
                   </a:rPr>
                   <a:t>calculation time </a:t>
                 </a:r>
                 <a:r>
-                  <a:rPr lang="en-US" altLang="ja-JP"/>
+                  <a:rPr lang="en-US" altLang="ja-JP" sz="1600" b="1">
+                    <a:solidFill>
+                      <a:sysClr val="windowText" lastClr="000000"/>
+                    </a:solidFill>
+                    <a:latin typeface="+mn-ea"/>
+                    <a:ea typeface="+mn-ea"/>
+                  </a:rPr>
                   <a:t>[ms]</a:t>
                 </a:r>
-                <a:endParaRPr lang="ja-JP" altLang="en-US"/>
+                <a:endParaRPr lang="ja-JP" altLang="en-US" sz="1600" b="1">
+                  <a:solidFill>
+                    <a:sysClr val="windowText" lastClr="000000"/>
+                  </a:solidFill>
+                  <a:latin typeface="+mn-ea"/>
+                  <a:ea typeface="+mn-ea"/>
+                </a:endParaRPr>
               </a:p>
             </c:rich>
           </c:tx>
-          <c:layout/>
+          <c:layout>
+            <c:manualLayout>
+              <c:xMode val="edge"/>
+              <c:yMode val="edge"/>
+              <c:x val="1.4455344269724913E-2"/>
+              <c:y val="0.13023627417610728"/>
+            </c:manualLayout>
+          </c:layout>
           <c:overlay val="0"/>
           <c:spPr>
             <a:noFill/>
@@ -571,14 +662,11 @@
             <a:lstStyle/>
             <a:p>
               <a:pPr>
-                <a:defRPr sz="1000" b="0" i="0" u="none" strike="noStrike" kern="1200" baseline="0">
+                <a:defRPr sz="1600" b="1" i="0" u="none" strike="noStrike" kern="1200" baseline="0">
                   <a:solidFill>
-                    <a:schemeClr val="tx1">
-                      <a:lumMod val="65000"/>
-                      <a:lumOff val="35000"/>
-                    </a:schemeClr>
+                    <a:sysClr val="windowText" lastClr="000000"/>
                   </a:solidFill>
-                  <a:latin typeface="+mn-lt"/>
+                  <a:latin typeface="+mn-ea"/>
                   <a:ea typeface="+mn-ea"/>
                   <a:cs typeface="+mn-cs"/>
                 </a:defRPr>
@@ -587,7 +675,7 @@
             </a:p>
           </c:txPr>
         </c:title>
-        <c:numFmt formatCode="General" sourceLinked="1"/>
+        <c:numFmt formatCode="#,##0_);[Red]\(#,##0\)" sourceLinked="0"/>
         <c:majorTickMark val="none"/>
         <c:minorTickMark val="none"/>
         <c:tickLblPos val="nextTo"/>
@@ -603,12 +691,9 @@
           <a:lstStyle/>
           <a:p>
             <a:pPr>
-              <a:defRPr sz="900" b="0" i="0" u="none" strike="noStrike" kern="1200" baseline="0">
+              <a:defRPr sz="1400" b="0" i="0" u="none" strike="noStrike" kern="1200" baseline="0">
                 <a:solidFill>
-                  <a:schemeClr val="tx1">
-                    <a:lumMod val="65000"/>
-                    <a:lumOff val="35000"/>
-                  </a:schemeClr>
+                  <a:schemeClr val="tx1"/>
                 </a:solidFill>
                 <a:latin typeface="+mn-lt"/>
                 <a:ea typeface="+mn-ea"/>
@@ -622,45 +707,6 @@
         <c:crosses val="autoZero"/>
         <c:crossBetween val="between"/>
       </c:valAx>
-      <c:dTable>
-        <c:showHorzBorder val="1"/>
-        <c:showVertBorder val="1"/>
-        <c:showOutline val="1"/>
-        <c:showKeys val="0"/>
-        <c:spPr>
-          <a:noFill/>
-          <a:ln w="9525" cap="flat" cmpd="sng" algn="ctr">
-            <a:solidFill>
-              <a:schemeClr val="tx1">
-                <a:lumMod val="15000"/>
-                <a:lumOff val="85000"/>
-              </a:schemeClr>
-            </a:solidFill>
-            <a:round/>
-          </a:ln>
-          <a:effectLst/>
-        </c:spPr>
-        <c:txPr>
-          <a:bodyPr rot="0" spcFirstLastPara="1" vertOverflow="ellipsis" vert="horz" wrap="square" anchor="ctr" anchorCtr="1"/>
-          <a:lstStyle/>
-          <a:p>
-            <a:pPr rtl="0">
-              <a:defRPr sz="1050" b="0" i="0" u="none" strike="noStrike" kern="1200" baseline="0">
-                <a:solidFill>
-                  <a:schemeClr val="tx1">
-                    <a:lumMod val="65000"/>
-                    <a:lumOff val="35000"/>
-                  </a:schemeClr>
-                </a:solidFill>
-                <a:latin typeface="+mn-lt"/>
-                <a:ea typeface="+mn-ea"/>
-                <a:cs typeface="+mn-cs"/>
-              </a:defRPr>
-            </a:pPr>
-            <a:endParaRPr lang="ja-JP"/>
-          </a:p>
-        </c:txPr>
-      </c:dTable>
       <c:spPr>
         <a:noFill/>
         <a:ln>
@@ -690,7 +736,7 @@
       <a:endParaRPr lang="ja-JP"/>
     </a:p>
   </c:txPr>
-  <c:externalData r:id="rId3">
+  <c:externalData r:id="rId4">
     <c:autoUpdate val="0"/>
   </c:externalData>
 </c:chartSpace>
@@ -1321,7 +1367,7 @@
           <a:p>
             <a:fld id="{7F0095D0-A9E1-4B64-AAAF-C179389DF804}" type="datetimeFigureOut">
               <a:rPr kumimoji="1" lang="ja-JP" altLang="en-US" smtClean="0"/>
-              <a:t>2017/4/1</a:t>
+              <a:t>2017/6/2</a:t>
             </a:fld>
             <a:endParaRPr kumimoji="1" lang="ja-JP" altLang="en-US"/>
           </a:p>
@@ -1339,8 +1385,8 @@
         </p:nvSpPr>
         <p:spPr>
           <a:xfrm>
-            <a:off x="293688" y="1143000"/>
-            <a:ext cx="6270625" cy="3086100"/>
+            <a:off x="-292100" y="1143000"/>
+            <a:ext cx="7442200" cy="3086100"/>
           </a:xfrm>
           <a:prstGeom prst="rect">
             <a:avLst/>
@@ -1527,8 +1573,8 @@
   </p:cSld>
   <p:clrMap bg1="lt1" tx1="dk1" bg2="lt2" tx2="dk2" accent1="accent1" accent2="accent2" accent3="accent3" accent4="accent4" accent5="accent5" accent6="accent6" hlink="hlink" folHlink="folHlink"/>
   <p:notesStyle>
-    <a:lvl1pPr marL="0" algn="l" defTabSz="224201" rtl="0" eaLnBrk="1" latinLnBrk="0" hangingPunct="1">
-      <a:defRPr kumimoji="1" sz="294" kern="1200">
+    <a:lvl1pPr marL="0" algn="l" defTabSz="202117" rtl="0" eaLnBrk="1" latinLnBrk="0" hangingPunct="1">
+      <a:defRPr kumimoji="1" sz="265" kern="1200">
         <a:solidFill>
           <a:schemeClr val="tx1"/>
         </a:solidFill>
@@ -1537,8 +1583,8 @@
         <a:cs typeface="+mn-cs"/>
       </a:defRPr>
     </a:lvl1pPr>
-    <a:lvl2pPr marL="112100" algn="l" defTabSz="224201" rtl="0" eaLnBrk="1" latinLnBrk="0" hangingPunct="1">
-      <a:defRPr kumimoji="1" sz="294" kern="1200">
+    <a:lvl2pPr marL="101058" algn="l" defTabSz="202117" rtl="0" eaLnBrk="1" latinLnBrk="0" hangingPunct="1">
+      <a:defRPr kumimoji="1" sz="265" kern="1200">
         <a:solidFill>
           <a:schemeClr val="tx1"/>
         </a:solidFill>
@@ -1547,8 +1593,8 @@
         <a:cs typeface="+mn-cs"/>
       </a:defRPr>
     </a:lvl2pPr>
-    <a:lvl3pPr marL="224201" algn="l" defTabSz="224201" rtl="0" eaLnBrk="1" latinLnBrk="0" hangingPunct="1">
-      <a:defRPr kumimoji="1" sz="294" kern="1200">
+    <a:lvl3pPr marL="202117" algn="l" defTabSz="202117" rtl="0" eaLnBrk="1" latinLnBrk="0" hangingPunct="1">
+      <a:defRPr kumimoji="1" sz="265" kern="1200">
         <a:solidFill>
           <a:schemeClr val="tx1"/>
         </a:solidFill>
@@ -1557,8 +1603,8 @@
         <a:cs typeface="+mn-cs"/>
       </a:defRPr>
     </a:lvl3pPr>
-    <a:lvl4pPr marL="336301" algn="l" defTabSz="224201" rtl="0" eaLnBrk="1" latinLnBrk="0" hangingPunct="1">
-      <a:defRPr kumimoji="1" sz="294" kern="1200">
+    <a:lvl4pPr marL="303175" algn="l" defTabSz="202117" rtl="0" eaLnBrk="1" latinLnBrk="0" hangingPunct="1">
+      <a:defRPr kumimoji="1" sz="265" kern="1200">
         <a:solidFill>
           <a:schemeClr val="tx1"/>
         </a:solidFill>
@@ -1567,8 +1613,8 @@
         <a:cs typeface="+mn-cs"/>
       </a:defRPr>
     </a:lvl4pPr>
-    <a:lvl5pPr marL="448401" algn="l" defTabSz="224201" rtl="0" eaLnBrk="1" latinLnBrk="0" hangingPunct="1">
-      <a:defRPr kumimoji="1" sz="294" kern="1200">
+    <a:lvl5pPr marL="404234" algn="l" defTabSz="202117" rtl="0" eaLnBrk="1" latinLnBrk="0" hangingPunct="1">
+      <a:defRPr kumimoji="1" sz="265" kern="1200">
         <a:solidFill>
           <a:schemeClr val="tx1"/>
         </a:solidFill>
@@ -1577,8 +1623,8 @@
         <a:cs typeface="+mn-cs"/>
       </a:defRPr>
     </a:lvl5pPr>
-    <a:lvl6pPr marL="560501" algn="l" defTabSz="224201" rtl="0" eaLnBrk="1" latinLnBrk="0" hangingPunct="1">
-      <a:defRPr kumimoji="1" sz="294" kern="1200">
+    <a:lvl6pPr marL="505292" algn="l" defTabSz="202117" rtl="0" eaLnBrk="1" latinLnBrk="0" hangingPunct="1">
+      <a:defRPr kumimoji="1" sz="265" kern="1200">
         <a:solidFill>
           <a:schemeClr val="tx1"/>
         </a:solidFill>
@@ -1587,8 +1633,8 @@
         <a:cs typeface="+mn-cs"/>
       </a:defRPr>
     </a:lvl6pPr>
-    <a:lvl7pPr marL="672602" algn="l" defTabSz="224201" rtl="0" eaLnBrk="1" latinLnBrk="0" hangingPunct="1">
-      <a:defRPr kumimoji="1" sz="294" kern="1200">
+    <a:lvl7pPr marL="606351" algn="l" defTabSz="202117" rtl="0" eaLnBrk="1" latinLnBrk="0" hangingPunct="1">
+      <a:defRPr kumimoji="1" sz="265" kern="1200">
         <a:solidFill>
           <a:schemeClr val="tx1"/>
         </a:solidFill>
@@ -1597,8 +1643,8 @@
         <a:cs typeface="+mn-cs"/>
       </a:defRPr>
     </a:lvl7pPr>
-    <a:lvl8pPr marL="784702" algn="l" defTabSz="224201" rtl="0" eaLnBrk="1" latinLnBrk="0" hangingPunct="1">
-      <a:defRPr kumimoji="1" sz="294" kern="1200">
+    <a:lvl8pPr marL="707409" algn="l" defTabSz="202117" rtl="0" eaLnBrk="1" latinLnBrk="0" hangingPunct="1">
+      <a:defRPr kumimoji="1" sz="265" kern="1200">
         <a:solidFill>
           <a:schemeClr val="tx1"/>
         </a:solidFill>
@@ -1607,8 +1653,8 @@
         <a:cs typeface="+mn-cs"/>
       </a:defRPr>
     </a:lvl8pPr>
-    <a:lvl9pPr marL="896802" algn="l" defTabSz="224201" rtl="0" eaLnBrk="1" latinLnBrk="0" hangingPunct="1">
-      <a:defRPr kumimoji="1" sz="294" kern="1200">
+    <a:lvl9pPr marL="808467" algn="l" defTabSz="202117" rtl="0" eaLnBrk="1" latinLnBrk="0" hangingPunct="1">
+      <a:defRPr kumimoji="1" sz="265" kern="1200">
         <a:solidFill>
           <a:schemeClr val="tx1"/>
         </a:solidFill>
@@ -1650,8 +1696,8 @@
         </p:nvSpPr>
         <p:spPr>
           <a:xfrm>
-            <a:off x="293688" y="1143000"/>
-            <a:ext cx="6270625" cy="3086100"/>
+            <a:off x="-292100" y="1143000"/>
+            <a:ext cx="7442200" cy="3086100"/>
           </a:xfrm>
         </p:spPr>
       </p:sp>
@@ -1803,8 +1849,8 @@
         </p:nvSpPr>
         <p:spPr>
           <a:xfrm>
-            <a:off x="918965" y="592099"/>
-            <a:ext cx="5513784" cy="1259570"/>
+            <a:off x="873919" y="474407"/>
+            <a:ext cx="5243512" cy="1009203"/>
           </a:xfrm>
         </p:spPr>
         <p:txBody>
@@ -1835,8 +1881,8 @@
         </p:nvSpPr>
         <p:spPr>
           <a:xfrm>
-            <a:off x="918965" y="1900244"/>
-            <a:ext cx="5513784" cy="873491"/>
+            <a:off x="873919" y="1522530"/>
+            <a:ext cx="5243512" cy="699866"/>
           </a:xfrm>
         </p:spPr>
         <p:txBody>
@@ -1905,7 +1951,7 @@
           <a:p>
             <a:fld id="{05B1DBB0-D0CE-4499-8A6D-C73AC9430D35}" type="datetimeFigureOut">
               <a:rPr kumimoji="1" lang="ja-JP" altLang="en-US" smtClean="0"/>
-              <a:t>2017/4/1</a:t>
+              <a:t>2017/6/2</a:t>
             </a:fld>
             <a:endParaRPr kumimoji="1" lang="ja-JP" altLang="en-US"/>
           </a:p>
@@ -2107,7 +2153,7 @@
           <a:p>
             <a:fld id="{05B1DBB0-D0CE-4499-8A6D-C73AC9430D35}" type="datetimeFigureOut">
               <a:rPr kumimoji="1" lang="ja-JP" altLang="en-US" smtClean="0"/>
-              <a:t>2017/4/1</a:t>
+              <a:t>2017/6/2</a:t>
             </a:fld>
             <a:endParaRPr kumimoji="1" lang="ja-JP" altLang="en-US"/>
           </a:p>
@@ -2197,8 +2243,8 @@
         </p:nvSpPr>
         <p:spPr>
           <a:xfrm>
-            <a:off x="5261070" y="192620"/>
-            <a:ext cx="1585213" cy="3066014"/>
+            <a:off x="5003186" y="154333"/>
+            <a:ext cx="1507510" cy="2456578"/>
           </a:xfrm>
         </p:spPr>
         <p:txBody>
@@ -2225,8 +2271,8 @@
         </p:nvSpPr>
         <p:spPr>
           <a:xfrm>
-            <a:off x="505430" y="192620"/>
-            <a:ext cx="4663744" cy="3066014"/>
+            <a:off x="480655" y="154333"/>
+            <a:ext cx="4435139" cy="2456578"/>
           </a:xfrm>
         </p:spPr>
         <p:txBody>
@@ -2319,7 +2365,7 @@
           <a:p>
             <a:fld id="{05B1DBB0-D0CE-4499-8A6D-C73AC9430D35}" type="datetimeFigureOut">
               <a:rPr kumimoji="1" lang="ja-JP" altLang="en-US" smtClean="0"/>
-              <a:t>2017/4/1</a:t>
+              <a:t>2017/6/2</a:t>
             </a:fld>
             <a:endParaRPr kumimoji="1" lang="ja-JP" altLang="en-US"/>
           </a:p>
@@ -2409,8 +2455,8 @@
         </p:nvSpPr>
         <p:spPr>
           <a:xfrm>
-            <a:off x="551843" y="1121556"/>
-            <a:ext cx="6254207" cy="276999"/>
+            <a:off x="524794" y="898623"/>
+            <a:ext cx="5947641" cy="276999"/>
           </a:xfrm>
           <a:prstGeom prst="rect">
             <a:avLst/>
@@ -2442,8 +2488,8 @@
         </p:nvSpPr>
         <p:spPr>
           <a:xfrm>
-            <a:off x="1103684" y="2026036"/>
-            <a:ext cx="5150524" cy="276999"/>
+            <a:off x="1049584" y="1623318"/>
+            <a:ext cx="4898058" cy="276999"/>
           </a:xfrm>
           <a:prstGeom prst="rect">
             <a:avLst/>
@@ -2519,7 +2565,7 @@
           <a:p>
             <a:fld id="{1D8BD707-D9CF-40AE-B4C6-C98DA3205C09}" type="datetimeFigureOut">
               <a:rPr lang="en-US"/>
-              <a:t>4/1/2017</a:t>
+              <a:t>6/2/2017</a:t>
             </a:fld>
             <a:endParaRPr lang="en-US"/>
           </a:p>
@@ -2689,7 +2735,7 @@
           <a:p>
             <a:fld id="{1D8BD707-D9CF-40AE-B4C6-C98DA3205C09}" type="datetimeFigureOut">
               <a:rPr lang="en-US"/>
-              <a:t>4/1/2017</a:t>
+              <a:t>6/2/2017</a:t>
             </a:fld>
             <a:endParaRPr lang="en-US"/>
           </a:p>
@@ -2792,8 +2838,8 @@
         </p:nvSpPr>
         <p:spPr>
           <a:xfrm>
-            <a:off x="367897" y="832122"/>
-            <a:ext cx="3200681" cy="276999"/>
+            <a:off x="349864" y="666721"/>
+            <a:ext cx="3043791" cy="276999"/>
           </a:xfrm>
           <a:prstGeom prst="rect">
             <a:avLst/>
@@ -2825,8 +2871,8 @@
         </p:nvSpPr>
         <p:spPr>
           <a:xfrm>
-            <a:off x="3789314" y="832122"/>
-            <a:ext cx="3200681" cy="276999"/>
+            <a:off x="3603572" y="666721"/>
+            <a:ext cx="3043791" cy="276999"/>
           </a:xfrm>
           <a:prstGeom prst="rect">
             <a:avLst/>
@@ -2902,7 +2948,7 @@
           <a:p>
             <a:fld id="{1D8BD707-D9CF-40AE-B4C6-C98DA3205C09}" type="datetimeFigureOut">
               <a:rPr lang="en-US"/>
-              <a:t>4/1/2017</a:t>
+              <a:t>6/2/2017</a:t>
             </a:fld>
             <a:endParaRPr lang="en-US"/>
           </a:p>
@@ -3049,7 +3095,7 @@
           <a:p>
             <a:fld id="{1D8BD707-D9CF-40AE-B4C6-C98DA3205C09}" type="datetimeFigureOut">
               <a:rPr lang="en-US"/>
-              <a:t>4/1/2017</a:t>
+              <a:t>6/2/2017</a:t>
             </a:fld>
             <a:endParaRPr lang="en-US"/>
           </a:p>
@@ -3173,7 +3219,7 @@
           <a:p>
             <a:fld id="{1D8BD707-D9CF-40AE-B4C6-C98DA3205C09}" type="datetimeFigureOut">
               <a:rPr lang="en-US"/>
-              <a:t>4/1/2017</a:t>
+              <a:t>6/2/2017</a:t>
             </a:fld>
             <a:endParaRPr lang="en-US"/>
           </a:p>
@@ -3365,7 +3411,7 @@
           <a:p>
             <a:fld id="{05B1DBB0-D0CE-4499-8A6D-C73AC9430D35}" type="datetimeFigureOut">
               <a:rPr kumimoji="1" lang="ja-JP" altLang="en-US" smtClean="0"/>
-              <a:t>2017/4/1</a:t>
+              <a:t>2017/6/2</a:t>
             </a:fld>
             <a:endParaRPr kumimoji="1" lang="ja-JP" altLang="en-US"/>
           </a:p>
@@ -3455,8 +3501,8 @@
         </p:nvSpPr>
         <p:spPr>
           <a:xfrm>
-            <a:off x="501602" y="901967"/>
-            <a:ext cx="6340852" cy="1504951"/>
+            <a:off x="477015" y="722682"/>
+            <a:ext cx="6030039" cy="1205810"/>
           </a:xfrm>
         </p:spPr>
         <p:txBody>
@@ -3487,8 +3533,8 @@
         </p:nvSpPr>
         <p:spPr>
           <a:xfrm>
-            <a:off x="501602" y="2421156"/>
-            <a:ext cx="6340852" cy="791418"/>
+            <a:off x="477015" y="1939899"/>
+            <a:ext cx="6030039" cy="634107"/>
           </a:xfrm>
         </p:spPr>
         <p:txBody>
@@ -3611,7 +3657,7 @@
           <a:p>
             <a:fld id="{05B1DBB0-D0CE-4499-8A6D-C73AC9430D35}" type="datetimeFigureOut">
               <a:rPr kumimoji="1" lang="ja-JP" altLang="en-US" smtClean="0"/>
-              <a:t>2017/4/1</a:t>
+              <a:t>2017/6/2</a:t>
             </a:fld>
             <a:endParaRPr kumimoji="1" lang="ja-JP" altLang="en-US"/>
           </a:p>
@@ -3724,8 +3770,8 @@
         </p:nvSpPr>
         <p:spPr>
           <a:xfrm>
-            <a:off x="505433" y="963104"/>
-            <a:ext cx="3124478" cy="2295533"/>
+            <a:off x="480658" y="771667"/>
+            <a:ext cx="2971324" cy="1839246"/>
           </a:xfrm>
         </p:spPr>
         <p:txBody>
@@ -3813,8 +3859,8 @@
         </p:nvSpPr>
         <p:spPr>
           <a:xfrm>
-            <a:off x="3721808" y="963104"/>
-            <a:ext cx="3124478" cy="2295533"/>
+            <a:off x="3539374" y="771667"/>
+            <a:ext cx="2971324" cy="1839246"/>
           </a:xfrm>
         </p:spPr>
         <p:txBody>
@@ -3907,7 +3953,7 @@
           <a:p>
             <a:fld id="{05B1DBB0-D0CE-4499-8A6D-C73AC9430D35}" type="datetimeFigureOut">
               <a:rPr kumimoji="1" lang="ja-JP" altLang="en-US" smtClean="0"/>
-              <a:t>2017/4/1</a:t>
+              <a:t>2017/6/2</a:t>
             </a:fld>
             <a:endParaRPr kumimoji="1" lang="ja-JP" altLang="en-US"/>
           </a:p>
@@ -3997,8 +4043,8 @@
         </p:nvSpPr>
         <p:spPr>
           <a:xfrm>
-            <a:off x="506390" y="192621"/>
-            <a:ext cx="6340852" cy="699296"/>
+            <a:off x="481568" y="154333"/>
+            <a:ext cx="6030039" cy="560296"/>
           </a:xfrm>
         </p:spPr>
         <p:txBody>
@@ -4025,8 +4071,8 @@
         </p:nvSpPr>
         <p:spPr>
           <a:xfrm>
-            <a:off x="506390" y="886892"/>
-            <a:ext cx="3110119" cy="434652"/>
+            <a:off x="481568" y="710603"/>
+            <a:ext cx="2957669" cy="348256"/>
           </a:xfrm>
         </p:spPr>
         <p:txBody>
@@ -4090,8 +4136,8 @@
         </p:nvSpPr>
         <p:spPr>
           <a:xfrm>
-            <a:off x="506390" y="1321546"/>
-            <a:ext cx="3110119" cy="1943791"/>
+            <a:off x="481568" y="1058861"/>
+            <a:ext cx="2957669" cy="1557421"/>
           </a:xfrm>
         </p:spPr>
         <p:txBody>
@@ -4179,8 +4225,8 @@
         </p:nvSpPr>
         <p:spPr>
           <a:xfrm>
-            <a:off x="3721808" y="886892"/>
-            <a:ext cx="3125435" cy="434652"/>
+            <a:off x="3539374" y="710603"/>
+            <a:ext cx="2972234" cy="348256"/>
           </a:xfrm>
         </p:spPr>
         <p:txBody>
@@ -4244,8 +4290,8 @@
         </p:nvSpPr>
         <p:spPr>
           <a:xfrm>
-            <a:off x="3721808" y="1321546"/>
-            <a:ext cx="3125435" cy="1943791"/>
+            <a:off x="3539374" y="1058861"/>
+            <a:ext cx="2972234" cy="1557421"/>
           </a:xfrm>
         </p:spPr>
         <p:txBody>
@@ -4338,7 +4384,7 @@
           <a:p>
             <a:fld id="{05B1DBB0-D0CE-4499-8A6D-C73AC9430D35}" type="datetimeFigureOut">
               <a:rPr kumimoji="1" lang="ja-JP" altLang="en-US" smtClean="0"/>
-              <a:t>2017/4/1</a:t>
+              <a:t>2017/6/2</a:t>
             </a:fld>
             <a:endParaRPr kumimoji="1" lang="ja-JP" altLang="en-US"/>
           </a:p>
@@ -4456,7 +4502,7 @@
           <a:p>
             <a:fld id="{05B1DBB0-D0CE-4499-8A6D-C73AC9430D35}" type="datetimeFigureOut">
               <a:rPr kumimoji="1" lang="ja-JP" altLang="en-US" smtClean="0"/>
-              <a:t>2017/4/1</a:t>
+              <a:t>2017/6/2</a:t>
             </a:fld>
             <a:endParaRPr kumimoji="1" lang="ja-JP" altLang="en-US"/>
           </a:p>
@@ -4551,7 +4597,7 @@
           <a:p>
             <a:fld id="{05B1DBB0-D0CE-4499-8A6D-C73AC9430D35}" type="datetimeFigureOut">
               <a:rPr kumimoji="1" lang="ja-JP" altLang="en-US" smtClean="0"/>
-              <a:t>2017/4/1</a:t>
+              <a:t>2017/6/2</a:t>
             </a:fld>
             <a:endParaRPr kumimoji="1" lang="ja-JP" altLang="en-US"/>
           </a:p>
@@ -4641,8 +4687,8 @@
         </p:nvSpPr>
         <p:spPr>
           <a:xfrm>
-            <a:off x="506390" y="241195"/>
-            <a:ext cx="2371119" cy="844180"/>
+            <a:off x="481568" y="193252"/>
+            <a:ext cx="2254893" cy="676381"/>
           </a:xfrm>
         </p:spPr>
         <p:txBody>
@@ -4673,8 +4719,8 @@
         </p:nvSpPr>
         <p:spPr>
           <a:xfrm>
-            <a:off x="3125436" y="520915"/>
-            <a:ext cx="3721805" cy="2571063"/>
+            <a:off x="2972235" y="417372"/>
+            <a:ext cx="3539371" cy="2060009"/>
           </a:xfrm>
         </p:spPr>
         <p:txBody>
@@ -4790,8 +4836,8 @@
         </p:nvSpPr>
         <p:spPr>
           <a:xfrm>
-            <a:off x="506390" y="1085376"/>
-            <a:ext cx="2371119" cy="2010789"/>
+            <a:off x="481568" y="869635"/>
+            <a:ext cx="2254893" cy="1611101"/>
           </a:xfrm>
         </p:spPr>
         <p:txBody>
@@ -4860,7 +4906,7 @@
           <a:p>
             <a:fld id="{05B1DBB0-D0CE-4499-8A6D-C73AC9430D35}" type="datetimeFigureOut">
               <a:rPr kumimoji="1" lang="ja-JP" altLang="en-US" smtClean="0"/>
-              <a:t>2017/4/1</a:t>
+              <a:t>2017/6/2</a:t>
             </a:fld>
             <a:endParaRPr kumimoji="1" lang="ja-JP" altLang="en-US"/>
           </a:p>
@@ -4950,8 +4996,8 @@
         </p:nvSpPr>
         <p:spPr>
           <a:xfrm>
-            <a:off x="506390" y="241195"/>
-            <a:ext cx="2371119" cy="844180"/>
+            <a:off x="481568" y="193252"/>
+            <a:ext cx="2254893" cy="676381"/>
           </a:xfrm>
         </p:spPr>
         <p:txBody>
@@ -4982,8 +5028,8 @@
         </p:nvSpPr>
         <p:spPr>
           <a:xfrm>
-            <a:off x="3125436" y="520915"/>
-            <a:ext cx="3721805" cy="2571063"/>
+            <a:off x="2972235" y="417372"/>
+            <a:ext cx="3539371" cy="2060009"/>
           </a:xfrm>
         </p:spPr>
         <p:txBody>
@@ -5043,8 +5089,8 @@
         </p:nvSpPr>
         <p:spPr>
           <a:xfrm>
-            <a:off x="506390" y="1085376"/>
-            <a:ext cx="2371119" cy="2010789"/>
+            <a:off x="481568" y="869635"/>
+            <a:ext cx="2254893" cy="1611101"/>
           </a:xfrm>
         </p:spPr>
         <p:txBody>
@@ -5113,7 +5159,7 @@
           <a:p>
             <a:fld id="{05B1DBB0-D0CE-4499-8A6D-C73AC9430D35}" type="datetimeFigureOut">
               <a:rPr kumimoji="1" lang="ja-JP" altLang="en-US" smtClean="0"/>
-              <a:t>2017/4/1</a:t>
+              <a:t>2017/6/2</a:t>
             </a:fld>
             <a:endParaRPr kumimoji="1" lang="ja-JP" altLang="en-US"/>
           </a:p>
@@ -5208,8 +5254,8 @@
         </p:nvSpPr>
         <p:spPr>
           <a:xfrm>
-            <a:off x="505431" y="192621"/>
-            <a:ext cx="6340852" cy="699296"/>
+            <a:off x="480656" y="154333"/>
+            <a:ext cx="6030039" cy="560296"/>
           </a:xfrm>
           <a:prstGeom prst="rect">
             <a:avLst/>
@@ -5241,8 +5287,8 @@
         </p:nvSpPr>
         <p:spPr>
           <a:xfrm>
-            <a:off x="505431" y="963104"/>
-            <a:ext cx="6340852" cy="2295533"/>
+            <a:off x="480656" y="771667"/>
+            <a:ext cx="6030039" cy="1839246"/>
           </a:xfrm>
           <a:prstGeom prst="rect">
             <a:avLst/>
@@ -5335,8 +5381,8 @@
         </p:nvSpPr>
         <p:spPr>
           <a:xfrm>
-            <a:off x="505432" y="3353271"/>
-            <a:ext cx="1654135" cy="192620"/>
+            <a:off x="480658" y="2686736"/>
+            <a:ext cx="1573053" cy="154333"/>
           </a:xfrm>
           <a:prstGeom prst="rect">
             <a:avLst/>
@@ -5358,7 +5404,7 @@
           <a:p>
             <a:fld id="{05B1DBB0-D0CE-4499-8A6D-C73AC9430D35}" type="datetimeFigureOut">
               <a:rPr kumimoji="1" lang="ja-JP" altLang="en-US" smtClean="0"/>
-              <a:t>2017/4/1</a:t>
+              <a:t>2017/6/2</a:t>
             </a:fld>
             <a:endParaRPr kumimoji="1" lang="ja-JP" altLang="en-US"/>
           </a:p>
@@ -5376,8 +5422,8 @@
         </p:nvSpPr>
         <p:spPr>
           <a:xfrm>
-            <a:off x="2435255" y="3353271"/>
-            <a:ext cx="2481205" cy="192620"/>
+            <a:off x="2315885" y="2686736"/>
+            <a:ext cx="2359582" cy="154333"/>
           </a:xfrm>
           <a:prstGeom prst="rect">
             <a:avLst/>
@@ -5413,8 +5459,8 @@
         </p:nvSpPr>
         <p:spPr>
           <a:xfrm>
-            <a:off x="5192148" y="3353271"/>
-            <a:ext cx="1654135" cy="192620"/>
+            <a:off x="4937642" y="2686736"/>
+            <a:ext cx="1573053" cy="154333"/>
           </a:xfrm>
           <a:prstGeom prst="rect">
             <a:avLst/>
@@ -5783,8 +5829,8 @@
         </p:nvSpPr>
         <p:spPr>
           <a:xfrm>
-            <a:off x="367897" y="144721"/>
-            <a:ext cx="6622102" cy="276999"/>
+            <a:off x="349863" y="115955"/>
+            <a:ext cx="6297503" cy="276999"/>
           </a:xfrm>
           <a:prstGeom prst="rect">
             <a:avLst/>
@@ -5816,8 +5862,8 @@
         </p:nvSpPr>
         <p:spPr>
           <a:xfrm>
-            <a:off x="367897" y="832122"/>
-            <a:ext cx="6622102" cy="276999"/>
+            <a:off x="349863" y="666721"/>
+            <a:ext cx="6297503" cy="276999"/>
           </a:xfrm>
           <a:prstGeom prst="rect">
             <a:avLst/>
@@ -5849,8 +5895,8 @@
         </p:nvSpPr>
         <p:spPr>
           <a:xfrm>
-            <a:off x="2501686" y="3364663"/>
-            <a:ext cx="2354525" cy="67839"/>
+            <a:off x="2379060" y="2695864"/>
+            <a:ext cx="2239112" cy="61235"/>
           </a:xfrm>
           <a:prstGeom prst="rect">
             <a:avLst/>
@@ -5888,8 +5934,8 @@
         </p:nvSpPr>
         <p:spPr>
           <a:xfrm>
-            <a:off x="367898" y="3364663"/>
-            <a:ext cx="1692314" cy="67839"/>
+            <a:off x="349864" y="2695864"/>
+            <a:ext cx="1609361" cy="61235"/>
           </a:xfrm>
           <a:prstGeom prst="rect">
             <a:avLst/>
@@ -5913,7 +5959,7 @@
           <a:p>
             <a:fld id="{1D8BD707-D9CF-40AE-B4C6-C98DA3205C09}" type="datetimeFigureOut">
               <a:rPr lang="en-US"/>
-              <a:t>4/1/2017</a:t>
+              <a:t>6/2/2017</a:t>
             </a:fld>
             <a:endParaRPr lang="en-US"/>
           </a:p>
@@ -5931,8 +5977,8 @@
         </p:nvSpPr>
         <p:spPr>
           <a:xfrm>
-            <a:off x="5297686" y="3364663"/>
-            <a:ext cx="1692314" cy="67839"/>
+            <a:off x="5038006" y="2695864"/>
+            <a:ext cx="1609361" cy="61235"/>
           </a:xfrm>
           <a:prstGeom prst="rect">
             <a:avLst/>
@@ -6146,14 +6192,14 @@
           <p:nvPr>
             <p:extLst>
               <p:ext uri="{D42A27DB-BD31-4B8C-83A1-F6EECF244321}">
-                <p14:modId xmlns:p14="http://schemas.microsoft.com/office/powerpoint/2010/main" val="2772020677"/>
+                <p14:modId xmlns:p14="http://schemas.microsoft.com/office/powerpoint/2010/main" val="3296474353"/>
               </p:ext>
             </p:extLst>
           </p:nvPr>
         </p:nvGraphicFramePr>
         <p:xfrm>
-          <a:off x="-1" y="0"/>
-          <a:ext cx="7351713" cy="3617913"/>
+          <a:off x="4342" y="8097"/>
+          <a:ext cx="6982665" cy="2882581"/>
         </p:xfrm>
         <a:graphic>
           <a:graphicData uri="http://schemas.openxmlformats.org/drawingml/2006/chart">
@@ -7010,4 +7056,256 @@
     </a:ext>
   </a:extLst>
 </a:theme>
+</file>
+
+<file path=ppt/theme/themeOverride1.xml><?xml version="1.0" encoding="utf-8"?>
+<a:themeOverride xmlns:a="http://schemas.openxmlformats.org/drawingml/2006/main">
+  <a:clrScheme name="Office">
+    <a:dk1>
+      <a:sysClr val="windowText" lastClr="000000"/>
+    </a:dk1>
+    <a:lt1>
+      <a:sysClr val="window" lastClr="FFFFFF"/>
+    </a:lt1>
+    <a:dk2>
+      <a:srgbClr val="44546A"/>
+    </a:dk2>
+    <a:lt2>
+      <a:srgbClr val="E7E6E6"/>
+    </a:lt2>
+    <a:accent1>
+      <a:srgbClr val="5B9BD5"/>
+    </a:accent1>
+    <a:accent2>
+      <a:srgbClr val="ED7D31"/>
+    </a:accent2>
+    <a:accent3>
+      <a:srgbClr val="A5A5A5"/>
+    </a:accent3>
+    <a:accent4>
+      <a:srgbClr val="FFC000"/>
+    </a:accent4>
+    <a:accent5>
+      <a:srgbClr val="4472C4"/>
+    </a:accent5>
+    <a:accent6>
+      <a:srgbClr val="70AD47"/>
+    </a:accent6>
+    <a:hlink>
+      <a:srgbClr val="0563C1"/>
+    </a:hlink>
+    <a:folHlink>
+      <a:srgbClr val="954F72"/>
+    </a:folHlink>
+  </a:clrScheme>
+  <a:fontScheme name="Office">
+    <a:majorFont>
+      <a:latin typeface="Calibri Light" panose="020F0302020204030204"/>
+      <a:ea typeface=""/>
+      <a:cs typeface=""/>
+      <a:font script="Jpan" typeface="游ゴシック Light"/>
+      <a:font script="Hang" typeface="맑은 고딕"/>
+      <a:font script="Hans" typeface="等线 Light"/>
+      <a:font script="Hant" typeface="新細明體"/>
+      <a:font script="Arab" typeface="Times New Roman"/>
+      <a:font script="Hebr" typeface="Times New Roman"/>
+      <a:font script="Thai" typeface="Tahoma"/>
+      <a:font script="Ethi" typeface="Nyala"/>
+      <a:font script="Beng" typeface="Vrinda"/>
+      <a:font script="Gujr" typeface="Shruti"/>
+      <a:font script="Khmr" typeface="MoolBoran"/>
+      <a:font script="Knda" typeface="Tunga"/>
+      <a:font script="Guru" typeface="Raavi"/>
+      <a:font script="Cans" typeface="Euphemia"/>
+      <a:font script="Cher" typeface="Plantagenet Cherokee"/>
+      <a:font script="Yiii" typeface="Microsoft Yi Baiti"/>
+      <a:font script="Tibt" typeface="Microsoft Himalaya"/>
+      <a:font script="Thaa" typeface="MV Boli"/>
+      <a:font script="Deva" typeface="Mangal"/>
+      <a:font script="Telu" typeface="Gautami"/>
+      <a:font script="Taml" typeface="Latha"/>
+      <a:font script="Syrc" typeface="Estrangelo Edessa"/>
+      <a:font script="Orya" typeface="Kalinga"/>
+      <a:font script="Mlym" typeface="Kartika"/>
+      <a:font script="Laoo" typeface="DokChampa"/>
+      <a:font script="Sinh" typeface="Iskoola Pota"/>
+      <a:font script="Mong" typeface="Mongolian Baiti"/>
+      <a:font script="Viet" typeface="Times New Roman"/>
+      <a:font script="Uigh" typeface="Microsoft Uighur"/>
+      <a:font script="Geor" typeface="Sylfaen"/>
+    </a:majorFont>
+    <a:minorFont>
+      <a:latin typeface="Calibri" panose="020F0502020204030204"/>
+      <a:ea typeface=""/>
+      <a:cs typeface=""/>
+      <a:font script="Jpan" typeface="游ゴシック"/>
+      <a:font script="Hang" typeface="맑은 고딕"/>
+      <a:font script="Hans" typeface="等线"/>
+      <a:font script="Hant" typeface="新細明體"/>
+      <a:font script="Arab" typeface="Arial"/>
+      <a:font script="Hebr" typeface="Arial"/>
+      <a:font script="Thai" typeface="Tahoma"/>
+      <a:font script="Ethi" typeface="Nyala"/>
+      <a:font script="Beng" typeface="Vrinda"/>
+      <a:font script="Gujr" typeface="Shruti"/>
+      <a:font script="Khmr" typeface="DaunPenh"/>
+      <a:font script="Knda" typeface="Tunga"/>
+      <a:font script="Guru" typeface="Raavi"/>
+      <a:font script="Cans" typeface="Euphemia"/>
+      <a:font script="Cher" typeface="Plantagenet Cherokee"/>
+      <a:font script="Yiii" typeface="Microsoft Yi Baiti"/>
+      <a:font script="Tibt" typeface="Microsoft Himalaya"/>
+      <a:font script="Thaa" typeface="MV Boli"/>
+      <a:font script="Deva" typeface="Mangal"/>
+      <a:font script="Telu" typeface="Gautami"/>
+      <a:font script="Taml" typeface="Latha"/>
+      <a:font script="Syrc" typeface="Estrangelo Edessa"/>
+      <a:font script="Orya" typeface="Kalinga"/>
+      <a:font script="Mlym" typeface="Kartika"/>
+      <a:font script="Laoo" typeface="DokChampa"/>
+      <a:font script="Sinh" typeface="Iskoola Pota"/>
+      <a:font script="Mong" typeface="Mongolian Baiti"/>
+      <a:font script="Viet" typeface="Arial"/>
+      <a:font script="Uigh" typeface="Microsoft Uighur"/>
+      <a:font script="Geor" typeface="Sylfaen"/>
+    </a:minorFont>
+  </a:fontScheme>
+  <a:fmtScheme name="Office">
+    <a:fillStyleLst>
+      <a:solidFill>
+        <a:schemeClr val="phClr"/>
+      </a:solidFill>
+      <a:gradFill rotWithShape="1">
+        <a:gsLst>
+          <a:gs pos="0">
+            <a:schemeClr val="phClr">
+              <a:lumMod val="110000"/>
+              <a:satMod val="105000"/>
+              <a:tint val="67000"/>
+            </a:schemeClr>
+          </a:gs>
+          <a:gs pos="50000">
+            <a:schemeClr val="phClr">
+              <a:lumMod val="105000"/>
+              <a:satMod val="103000"/>
+              <a:tint val="73000"/>
+            </a:schemeClr>
+          </a:gs>
+          <a:gs pos="100000">
+            <a:schemeClr val="phClr">
+              <a:lumMod val="105000"/>
+              <a:satMod val="109000"/>
+              <a:tint val="81000"/>
+            </a:schemeClr>
+          </a:gs>
+        </a:gsLst>
+        <a:lin ang="5400000" scaled="0"/>
+      </a:gradFill>
+      <a:gradFill rotWithShape="1">
+        <a:gsLst>
+          <a:gs pos="0">
+            <a:schemeClr val="phClr">
+              <a:satMod val="103000"/>
+              <a:lumMod val="102000"/>
+              <a:tint val="94000"/>
+            </a:schemeClr>
+          </a:gs>
+          <a:gs pos="50000">
+            <a:schemeClr val="phClr">
+              <a:satMod val="110000"/>
+              <a:lumMod val="100000"/>
+              <a:shade val="100000"/>
+            </a:schemeClr>
+          </a:gs>
+          <a:gs pos="100000">
+            <a:schemeClr val="phClr">
+              <a:lumMod val="99000"/>
+              <a:satMod val="120000"/>
+              <a:shade val="78000"/>
+            </a:schemeClr>
+          </a:gs>
+        </a:gsLst>
+        <a:lin ang="5400000" scaled="0"/>
+      </a:gradFill>
+    </a:fillStyleLst>
+    <a:lnStyleLst>
+      <a:ln w="6350" cap="flat" cmpd="sng" algn="ctr">
+        <a:solidFill>
+          <a:schemeClr val="phClr"/>
+        </a:solidFill>
+        <a:prstDash val="solid"/>
+        <a:miter lim="800000"/>
+      </a:ln>
+      <a:ln w="12700" cap="flat" cmpd="sng" algn="ctr">
+        <a:solidFill>
+          <a:schemeClr val="phClr"/>
+        </a:solidFill>
+        <a:prstDash val="solid"/>
+        <a:miter lim="800000"/>
+      </a:ln>
+      <a:ln w="19050" cap="flat" cmpd="sng" algn="ctr">
+        <a:solidFill>
+          <a:schemeClr val="phClr"/>
+        </a:solidFill>
+        <a:prstDash val="solid"/>
+        <a:miter lim="800000"/>
+      </a:ln>
+    </a:lnStyleLst>
+    <a:effectStyleLst>
+      <a:effectStyle>
+        <a:effectLst/>
+      </a:effectStyle>
+      <a:effectStyle>
+        <a:effectLst/>
+      </a:effectStyle>
+      <a:effectStyle>
+        <a:effectLst>
+          <a:outerShdw blurRad="57150" dist="19050" dir="5400000" algn="ctr" rotWithShape="0">
+            <a:srgbClr val="000000">
+              <a:alpha val="63000"/>
+            </a:srgbClr>
+          </a:outerShdw>
+        </a:effectLst>
+      </a:effectStyle>
+    </a:effectStyleLst>
+    <a:bgFillStyleLst>
+      <a:solidFill>
+        <a:schemeClr val="phClr"/>
+      </a:solidFill>
+      <a:solidFill>
+        <a:schemeClr val="phClr">
+          <a:tint val="95000"/>
+          <a:satMod val="170000"/>
+        </a:schemeClr>
+      </a:solidFill>
+      <a:gradFill rotWithShape="1">
+        <a:gsLst>
+          <a:gs pos="0">
+            <a:schemeClr val="phClr">
+              <a:tint val="93000"/>
+              <a:satMod val="150000"/>
+              <a:shade val="98000"/>
+              <a:lumMod val="102000"/>
+            </a:schemeClr>
+          </a:gs>
+          <a:gs pos="50000">
+            <a:schemeClr val="phClr">
+              <a:tint val="98000"/>
+              <a:satMod val="130000"/>
+              <a:shade val="90000"/>
+              <a:lumMod val="103000"/>
+            </a:schemeClr>
+          </a:gs>
+          <a:gs pos="100000">
+            <a:schemeClr val="phClr">
+              <a:shade val="63000"/>
+              <a:satMod val="120000"/>
+            </a:schemeClr>
+          </a:gs>
+        </a:gsLst>
+        <a:lin ang="5400000" scaled="0"/>
+      </a:gradFill>
+    </a:bgFillStyleLst>
+  </a:fmtScheme>
+</a:themeOverride>
 </file>